--- a/Ecommerce website client clustering/P5_03_presentation.pptx
+++ b/Ecommerce website client clustering/P5_03_presentation.pptx
@@ -6545,7 +6545,7 @@
           <a:p>
             <a:fld id="{3E5A1F01-3970-491A-BA73-631962EB412C}" type="datetimeFigureOut">
               <a:rPr lang="fr-FR" smtClean="0"/>
-              <a:t>28/05/2021</a:t>
+              <a:t>28/11/2022</a:t>
             </a:fld>
             <a:endParaRPr lang="fr-FR"/>
           </a:p>
@@ -8324,7 +8324,7 @@
           <a:p>
             <a:fld id="{66CBAD5A-994D-4AF5-A030-843D37A905D2}" type="datetime1">
               <a:rPr lang="fr-FR" smtClean="0"/>
-              <a:t>28/05/2021</a:t>
+              <a:t>28/11/2022</a:t>
             </a:fld>
             <a:endParaRPr lang="fr-FR"/>
           </a:p>
@@ -8494,7 +8494,7 @@
           <a:p>
             <a:fld id="{3ECC5D46-0095-4C1A-9EFB-A3AA028921AF}" type="datetime1">
               <a:rPr lang="fr-FR" smtClean="0"/>
-              <a:t>28/05/2021</a:t>
+              <a:t>28/11/2022</a:t>
             </a:fld>
             <a:endParaRPr lang="fr-FR"/>
           </a:p>
@@ -8674,7 +8674,7 @@
           <a:p>
             <a:fld id="{442DFF4C-4576-4F62-94A0-9951E30876A9}" type="datetime1">
               <a:rPr lang="fr-FR" smtClean="0"/>
-              <a:t>28/05/2021</a:t>
+              <a:t>28/11/2022</a:t>
             </a:fld>
             <a:endParaRPr lang="fr-FR"/>
           </a:p>
@@ -8844,7 +8844,7 @@
           <a:p>
             <a:fld id="{3040DEDE-75F4-4752-A8D3-92957711F089}" type="datetime1">
               <a:rPr lang="fr-FR" smtClean="0"/>
-              <a:t>28/05/2021</a:t>
+              <a:t>28/11/2022</a:t>
             </a:fld>
             <a:endParaRPr lang="fr-FR"/>
           </a:p>
@@ -9090,7 +9090,7 @@
           <a:p>
             <a:fld id="{23473D0A-7D19-487F-B857-94A0F947F587}" type="datetime1">
               <a:rPr lang="fr-FR" smtClean="0"/>
-              <a:t>28/05/2021</a:t>
+              <a:t>28/11/2022</a:t>
             </a:fld>
             <a:endParaRPr lang="fr-FR"/>
           </a:p>
@@ -9322,7 +9322,7 @@
           <a:p>
             <a:fld id="{396387F1-8583-4F51-98B4-28B974866C7F}" type="datetime1">
               <a:rPr lang="fr-FR" smtClean="0"/>
-              <a:t>28/05/2021</a:t>
+              <a:t>28/11/2022</a:t>
             </a:fld>
             <a:endParaRPr lang="fr-FR"/>
           </a:p>
@@ -9689,7 +9689,7 @@
           <a:p>
             <a:fld id="{8A324317-EEC3-4295-8B96-53575BC7F298}" type="datetime1">
               <a:rPr lang="fr-FR" smtClean="0"/>
-              <a:t>28/05/2021</a:t>
+              <a:t>28/11/2022</a:t>
             </a:fld>
             <a:endParaRPr lang="fr-FR"/>
           </a:p>
@@ -9807,7 +9807,7 @@
           <a:p>
             <a:fld id="{F8DE28F9-6BC8-4111-8840-F575CF6158F7}" type="datetime1">
               <a:rPr lang="fr-FR" smtClean="0"/>
-              <a:t>28/05/2021</a:t>
+              <a:t>28/11/2022</a:t>
             </a:fld>
             <a:endParaRPr lang="fr-FR"/>
           </a:p>
@@ -9902,7 +9902,7 @@
           <a:p>
             <a:fld id="{DD8E2474-0DF1-450C-BCB0-F91918FEAA3B}" type="datetime1">
               <a:rPr lang="fr-FR" smtClean="0"/>
-              <a:t>28/05/2021</a:t>
+              <a:t>28/11/2022</a:t>
             </a:fld>
             <a:endParaRPr lang="fr-FR"/>
           </a:p>
@@ -10179,7 +10179,7 @@
           <a:p>
             <a:fld id="{4CA7B0D1-59F5-42C3-8E9E-8E7F123B02D9}" type="datetime1">
               <a:rPr lang="fr-FR" smtClean="0"/>
-              <a:t>28/05/2021</a:t>
+              <a:t>28/11/2022</a:t>
             </a:fld>
             <a:endParaRPr lang="fr-FR"/>
           </a:p>
@@ -10432,7 +10432,7 @@
           <a:p>
             <a:fld id="{F1B95945-AC97-45D2-8586-7C0F2DA4E927}" type="datetime1">
               <a:rPr lang="fr-FR" smtClean="0"/>
-              <a:t>28/05/2021</a:t>
+              <a:t>28/11/2022</a:t>
             </a:fld>
             <a:endParaRPr lang="fr-FR"/>
           </a:p>
@@ -10645,7 +10645,7 @@
           <a:p>
             <a:fld id="{3742B28C-1EA1-4C4B-85A7-F47E8681D7C1}" type="datetime1">
               <a:rPr lang="fr-FR" smtClean="0"/>
-              <a:t>28/05/2021</a:t>
+              <a:t>28/11/2022</a:t>
             </a:fld>
             <a:endParaRPr lang="fr-FR"/>
           </a:p>
@@ -11080,40 +11080,6 @@
       </p:sp>
       <p:sp>
         <p:nvSpPr>
-          <p:cNvPr id="3" name="Sous-titre 2"/>
-          <p:cNvSpPr>
-            <a:spLocks noGrp="1"/>
-          </p:cNvSpPr>
-          <p:nvPr>
-            <p:ph type="subTitle" idx="1"/>
-          </p:nvPr>
-        </p:nvSpPr>
-        <p:spPr>
-          <a:xfrm>
-            <a:off x="1524000" y="4527727"/>
-            <a:ext cx="9144000" cy="1655762"/>
-          </a:xfrm>
-        </p:spPr>
-        <p:txBody>
-          <a:bodyPr/>
-          <a:lstStyle/>
-          <a:p>
-            <a:r>
-              <a:rPr lang="fr-FR" dirty="0" smtClean="0"/>
-              <a:t>28/05/2021</a:t>
-            </a:r>
-          </a:p>
-          <a:p>
-            <a:r>
-              <a:rPr lang="fr-FR" dirty="0" smtClean="0"/>
-              <a:t>Par Julien RIGOT</a:t>
-            </a:r>
-            <a:endParaRPr lang="fr-FR" dirty="0"/>
-          </a:p>
-        </p:txBody>
-      </p:sp>
-      <p:sp>
-        <p:nvSpPr>
           <p:cNvPr id="4" name="Espace réservé du numéro de diapositive 3"/>
           <p:cNvSpPr>
             <a:spLocks noGrp="1"/>
@@ -11131,6 +11097,25 @@
               <a:rPr lang="fr-FR" smtClean="0"/>
               <a:t>1</a:t>
             </a:fld>
+            <a:endParaRPr lang="fr-FR"/>
+          </a:p>
+        </p:txBody>
+      </p:sp>
+      <p:sp>
+        <p:nvSpPr>
+          <p:cNvPr id="5" name="Sous-titre 4"/>
+          <p:cNvSpPr>
+            <a:spLocks noGrp="1"/>
+          </p:cNvSpPr>
+          <p:nvPr>
+            <p:ph type="subTitle" idx="1"/>
+          </p:nvPr>
+        </p:nvSpPr>
+        <p:spPr/>
+        <p:txBody>
+          <a:bodyPr/>
+          <a:lstStyle/>
+          <a:p>
             <a:endParaRPr lang="fr-FR"/>
           </a:p>
         </p:txBody>
@@ -15139,13 +15124,8 @@
             </a:r>
             <a:r>
               <a:rPr lang="fr-FR" sz="2400" dirty="0" smtClean="0"/>
-              <a:t>: Ce sont ceux qui dépensent le plus souvent, avec des dépenses </a:t>
-            </a:r>
-            <a:r>
-              <a:rPr lang="fr-FR" sz="2400" dirty="0" smtClean="0"/>
-              <a:t>correctes</a:t>
-            </a:r>
-            <a:endParaRPr lang="fr-FR" sz="2400" dirty="0" smtClean="0"/>
+              <a:t>: Ce sont ceux qui dépensent le plus souvent, avec des dépenses correctes</a:t>
+            </a:r>
           </a:p>
         </p:txBody>
       </p:sp>
